--- a/forests_slids .pptx
+++ b/forests_slids .pptx
@@ -7440,14 +7440,14 @@
             <p:ph idx="1"/>
             <p:extLst>
               <p:ext uri="{D42A27DB-BD31-4B8C-83A1-F6EECF244321}">
-                <p14:modId xmlns:p14="http://schemas.microsoft.com/office/powerpoint/2010/main" val="341810461"/>
+                <p14:modId xmlns:p14="http://schemas.microsoft.com/office/powerpoint/2010/main" val="1199440745"/>
               </p:ext>
             </p:extLst>
           </p:nvPr>
         </p:nvGraphicFramePr>
         <p:xfrm>
           <a:off x="1130300" y="3049033"/>
-          <a:ext cx="9602788" cy="1112520"/>
+          <a:ext cx="9602788" cy="1854200"/>
         </p:xfrm>
         <a:graphic>
           <a:graphicData uri="http://schemas.openxmlformats.org/drawingml/2006/table">
@@ -7610,6 +7610,110 @@
                   </a:ext>
                 </a:extLst>
               </a:tr>
+              <a:tr h="370840">
+                <a:tc>
+                  <a:txBody>
+                    <a:bodyPr/>
+                    <a:lstStyle/>
+                    <a:p>
+                      <a:pPr marL="0" marR="0" lvl="0" indent="0" algn="l" defTabSz="914400" rtl="0" eaLnBrk="1" fontAlgn="auto" latinLnBrk="0" hangingPunct="1">
+                        <a:lnSpc>
+                          <a:spcPct val="100000"/>
+                        </a:lnSpc>
+                        <a:spcBef>
+                          <a:spcPts val="0"/>
+                        </a:spcBef>
+                        <a:spcAft>
+                          <a:spcPts val="0"/>
+                        </a:spcAft>
+                        <a:buClrTx/>
+                        <a:buSzTx/>
+                        <a:buFontTx/>
+                        <a:buNone/>
+                        <a:tabLst/>
+                        <a:defRPr/>
+                      </a:pPr>
+                      <a:r>
+                        <a:rPr lang="en-US" dirty="0"/>
+                        <a:t>Random forest </a:t>
+                      </a:r>
+                      <a:endParaRPr lang="ar-SA" dirty="0"/>
+                    </a:p>
+                  </a:txBody>
+                  <a:tcPr/>
+                </a:tc>
+                <a:tc>
+                  <a:txBody>
+                    <a:bodyPr/>
+                    <a:lstStyle/>
+                    <a:p>
+                      <a:pPr marL="0" algn="l" defTabSz="914400" rtl="0" eaLnBrk="1" latinLnBrk="0" hangingPunct="1"/>
+                      <a:r>
+                        <a:rPr lang="en-US" dirty="0"/>
+                        <a:t>100 %</a:t>
+                      </a:r>
+                    </a:p>
+                  </a:txBody>
+                  <a:tcPr/>
+                </a:tc>
+                <a:extLst>
+                  <a:ext uri="{0D108BD9-81ED-4DB2-BD59-A6C34878D82A}">
+                    <a16:rowId xmlns:a16="http://schemas.microsoft.com/office/drawing/2014/main" val="1878482587"/>
+                  </a:ext>
+                </a:extLst>
+              </a:tr>
+              <a:tr h="370840">
+                <a:tc>
+                  <a:txBody>
+                    <a:bodyPr/>
+                    <a:lstStyle/>
+                    <a:p>
+                      <a:pPr marL="0" marR="0" lvl="0" indent="0" algn="l" defTabSz="914400" rtl="0" eaLnBrk="1" fontAlgn="auto" latinLnBrk="0" hangingPunct="1">
+                        <a:lnSpc>
+                          <a:spcPct val="100000"/>
+                        </a:lnSpc>
+                        <a:spcBef>
+                          <a:spcPts val="0"/>
+                        </a:spcBef>
+                        <a:spcAft>
+                          <a:spcPts val="0"/>
+                        </a:spcAft>
+                        <a:buClrTx/>
+                        <a:buSzTx/>
+                        <a:buFontTx/>
+                        <a:buNone/>
+                        <a:tabLst/>
+                        <a:defRPr/>
+                      </a:pPr>
+                      <a:r>
+                        <a:rPr lang="en-US" dirty="0"/>
+                        <a:t>Decision tree </a:t>
+                      </a:r>
+                      <a:endParaRPr lang="ar-SA" dirty="0"/>
+                    </a:p>
+                  </a:txBody>
+                  <a:tcPr/>
+                </a:tc>
+                <a:tc>
+                  <a:txBody>
+                    <a:bodyPr/>
+                    <a:lstStyle/>
+                    <a:p>
+                      <a:pPr marL="0" algn="l" defTabSz="914400" rtl="0" eaLnBrk="1" latinLnBrk="0" hangingPunct="1"/>
+                      <a:r>
+                        <a:rPr lang="en-US" dirty="0"/>
+                        <a:t>99.88%</a:t>
+                      </a:r>
+                    </a:p>
+                  </a:txBody>
+                  <a:tcPr/>
+                </a:tc>
+                <a:extLst>
+                  <a:ext uri="{0D108BD9-81ED-4DB2-BD59-A6C34878D82A}">
+                    <a16:rowId xmlns:a16="http://schemas.microsoft.com/office/drawing/2014/main" val="2831623108"/>
+                  </a:ext>
+                </a:extLst>
+              </a:tr>
             </a:tbl>
           </a:graphicData>
         </a:graphic>
@@ -7628,7 +7732,7 @@
         </p:nvSpPr>
         <p:spPr>
           <a:xfrm>
-            <a:off x="1000053" y="2273644"/>
+            <a:off x="1000053" y="1359244"/>
             <a:ext cx="10191893" cy="369332"/>
           </a:xfrm>
           <a:prstGeom prst="rect">
@@ -7653,6 +7757,45 @@
               <a:t>The outputs of machine learning models using the One Hot Encoding technique and an 80/20 split strategy</a:t>
             </a:r>
             <a:endParaRPr lang="en-US" dirty="0"/>
+          </a:p>
+        </p:txBody>
+      </p:sp>
+      <p:sp>
+        <p:nvSpPr>
+          <p:cNvPr id="3" name="TextBox 2">
+            <a:extLst>
+              <a:ext uri="{FF2B5EF4-FFF2-40B4-BE49-F238E27FC236}">
+                <a16:creationId xmlns:a16="http://schemas.microsoft.com/office/drawing/2014/main" id="{453B4F73-227A-CFE5-013A-2BA4A8F8D15C}"/>
+              </a:ext>
+            </a:extLst>
+          </p:cNvPr>
+          <p:cNvSpPr txBox="1"/>
+          <p:nvPr/>
+        </p:nvSpPr>
+        <p:spPr>
+          <a:xfrm>
+            <a:off x="1000052" y="1927139"/>
+            <a:ext cx="9972747" cy="646331"/>
+          </a:xfrm>
+          <a:prstGeom prst="rect">
+            <a:avLst/>
+          </a:prstGeom>
+          <a:noFill/>
+        </p:spPr>
+        <p:txBody>
+          <a:bodyPr wrap="square">
+            <a:spAutoFit/>
+          </a:bodyPr>
+          <a:lstStyle/>
+          <a:p>
+            <a:r>
+              <a:rPr lang="en-US" b="0" i="0" dirty="0">
+                <a:effectLst/>
+                <a:latin typeface="Inter"/>
+              </a:rPr>
+              <a:t>We were able to predict with perfect accuracy the poisonous and edible mushrooms with Random forest , and logistic regression , and very high accuracy in KNN and decision tree.</a:t>
+            </a:r>
+            <a:endParaRPr lang="ar-SA" dirty="0"/>
           </a:p>
         </p:txBody>
       </p:sp>

--- a/forests_slids .pptx
+++ b/forests_slids .pptx
@@ -7440,13 +7440,13 @@
             <p:ph idx="1"/>
             <p:extLst>
               <p:ext uri="{D42A27DB-BD31-4B8C-83A1-F6EECF244321}">
-                <p14:modId xmlns:p14="http://schemas.microsoft.com/office/powerpoint/2010/main" val="1199440745"/>
+                <p14:modId xmlns:p14="http://schemas.microsoft.com/office/powerpoint/2010/main" val="3834319283"/>
               </p:ext>
             </p:extLst>
           </p:nvPr>
         </p:nvGraphicFramePr>
         <p:xfrm>
-          <a:off x="1130300" y="3049033"/>
+          <a:off x="1119640" y="3321279"/>
           <a:ext cx="9602788" cy="1854200"/>
         </p:xfrm>
         <a:graphic>
@@ -7732,7 +7732,7 @@
         </p:nvSpPr>
         <p:spPr>
           <a:xfrm>
-            <a:off x="1000053" y="1359244"/>
+            <a:off x="1000052" y="1682521"/>
             <a:ext cx="10191893" cy="369332"/>
           </a:xfrm>
           <a:prstGeom prst="rect">
@@ -7774,7 +7774,7 @@
         </p:nvSpPr>
         <p:spPr>
           <a:xfrm>
-            <a:off x="1000052" y="1927139"/>
+            <a:off x="1000052" y="2285506"/>
             <a:ext cx="9972747" cy="646331"/>
           </a:xfrm>
           <a:prstGeom prst="rect">
@@ -7796,6 +7796,42 @@
               <a:t>We were able to predict with perfect accuracy the poisonous and edible mushrooms with Random forest , and logistic regression , and very high accuracy in KNN and decision tree.</a:t>
             </a:r>
             <a:endParaRPr lang="ar-SA" dirty="0"/>
+          </a:p>
+        </p:txBody>
+      </p:sp>
+      <p:sp>
+        <p:nvSpPr>
+          <p:cNvPr id="4" name="TextBox 3">
+            <a:extLst>
+              <a:ext uri="{FF2B5EF4-FFF2-40B4-BE49-F238E27FC236}">
+                <a16:creationId xmlns:a16="http://schemas.microsoft.com/office/drawing/2014/main" id="{D19B8DDA-BF26-D59D-D436-914D4FF1B79D}"/>
+              </a:ext>
+            </a:extLst>
+          </p:cNvPr>
+          <p:cNvSpPr txBox="1"/>
+          <p:nvPr/>
+        </p:nvSpPr>
+        <p:spPr>
+          <a:xfrm>
+            <a:off x="4619172" y="864093"/>
+            <a:ext cx="6103256" cy="584775"/>
+          </a:xfrm>
+          <a:prstGeom prst="rect">
+            <a:avLst/>
+          </a:prstGeom>
+          <a:noFill/>
+        </p:spPr>
+        <p:txBody>
+          <a:bodyPr wrap="square">
+            <a:spAutoFit/>
+          </a:bodyPr>
+          <a:lstStyle/>
+          <a:p>
+            <a:r>
+              <a:rPr lang="en-US" sz="3200" b="1" dirty="0"/>
+              <a:t>Conclusion</a:t>
+            </a:r>
+            <a:endParaRPr lang="ar-SA" sz="3200" b="1" dirty="0"/>
           </a:p>
         </p:txBody>
       </p:sp>
@@ -8026,35 +8062,6 @@
       </p:grpSpPr>
       <p:sp>
         <p:nvSpPr>
-          <p:cNvPr id="2" name="Title 1">
-            <a:extLst>
-              <a:ext uri="{FF2B5EF4-FFF2-40B4-BE49-F238E27FC236}">
-                <a16:creationId xmlns:a16="http://schemas.microsoft.com/office/drawing/2014/main" id="{6D666C48-145B-BD2E-BD18-D1A080FFA7A3}"/>
-              </a:ext>
-            </a:extLst>
-          </p:cNvPr>
-          <p:cNvSpPr>
-            <a:spLocks noGrp="1"/>
-          </p:cNvSpPr>
-          <p:nvPr>
-            <p:ph type="title"/>
-          </p:nvPr>
-        </p:nvSpPr>
-        <p:spPr/>
-        <p:txBody>
-          <a:bodyPr/>
-          <a:lstStyle/>
-          <a:p>
-            <a:r>
-              <a:rPr lang="en-US" dirty="0"/>
-              <a:t>Conclusion </a:t>
-            </a:r>
-            <a:endParaRPr lang="ar-SA" dirty="0"/>
-          </a:p>
-        </p:txBody>
-      </p:sp>
-      <p:sp>
-        <p:nvSpPr>
           <p:cNvPr id="3" name="Content Placeholder 2">
             <a:extLst>
               <a:ext uri="{FF2B5EF4-FFF2-40B4-BE49-F238E27FC236}">
@@ -8071,40 +8078,37 @@
         </p:nvSpPr>
         <p:spPr>
           <a:xfrm>
-            <a:off x="1130269" y="1560866"/>
+            <a:off x="1115029" y="2155226"/>
             <a:ext cx="9603275" cy="3294576"/>
           </a:xfrm>
         </p:spPr>
         <p:txBody>
-          <a:bodyPr/>
+          <a:bodyPr>
+            <a:normAutofit/>
+          </a:bodyPr>
           <a:lstStyle/>
           <a:p>
-            <a:pPr marL="0" indent="0" algn="l">
+            <a:pPr marL="0" indent="0" algn="l" defTabSz="914400" rtl="0" eaLnBrk="1" latinLnBrk="0" hangingPunct="1">
+              <a:lnSpc>
+                <a:spcPct val="120000"/>
+              </a:lnSpc>
+              <a:spcBef>
+                <a:spcPts val="1000"/>
+              </a:spcBef>
+              <a:buClr>
+                <a:schemeClr val="accent1"/>
+              </a:buClr>
+              <a:buSzPct val="100000"/>
+              <a:buFont typeface="Arial" panose="020B0604020202020204" pitchFamily="34" charset="0"/>
               <a:buNone/>
             </a:pPr>
-            <a:endParaRPr lang="en-US" b="0" i="0" dirty="0">
-              <a:solidFill>
-                <a:srgbClr val="000000"/>
-              </a:solidFill>
-              <a:effectLst/>
-              <a:latin typeface="Inter"/>
-            </a:endParaRPr>
-          </a:p>
-          <a:p>
-            <a:pPr algn="l"/>
-            <a:r>
-              <a:rPr lang="en-US" b="0" i="0" dirty="0">
+            <a:r>
+              <a:rPr lang="en-US" sz="5400" b="0" i="0" dirty="0">
                 <a:effectLst/>
                 <a:latin typeface="Inter"/>
               </a:rPr>
-              <a:t>We were able to predict with very high accuracy the poisonous and edible mushrooms with Random forest , and logistic regression  .</a:t>
-            </a:r>
-          </a:p>
-          <a:p>
-            <a:pPr marL="0" indent="0" algn="l">
-              <a:buNone/>
-            </a:pPr>
-            <a:endParaRPr lang="ar-SA" dirty="0"/>
+              <a:t>                  Thank you</a:t>
+            </a:r>
           </a:p>
         </p:txBody>
       </p:sp>
